--- a/毕设答辩.pptx
+++ b/毕设答辩.pptx
@@ -10,8 +10,11 @@
     <p:sldId id="258" r:id="rId4"/>
     <p:sldId id="260" r:id="rId5"/>
     <p:sldId id="259" r:id="rId6"/>
-    <p:sldId id="261" r:id="rId7"/>
-    <p:sldId id="262" r:id="rId8"/>
+    <p:sldId id="263" r:id="rId7"/>
+    <p:sldId id="264" r:id="rId8"/>
+    <p:sldId id="265" r:id="rId9"/>
+    <p:sldId id="261" r:id="rId10"/>
+    <p:sldId id="262" r:id="rId11"/>
   </p:sldIdLst>
   <p:sldSz cx="12192000" cy="6858000"/>
   <p:notesSz cx="6858000" cy="9144000"/>
@@ -840,7 +843,7 @@
           <a:p>
             <a:fld id="{27971502-C805-4AB5-A8AE-BDD46597864A}" type="datetimeFigureOut">
               <a:rPr lang="zh-CN" altLang="en-US" smtClean="0"/>
-              <a:t>2017/6/10</a:t>
+              <a:t>2017/6/12</a:t>
             </a:fld>
             <a:endParaRPr lang="zh-CN" altLang="en-US"/>
           </a:p>
@@ -1091,7 +1094,7 @@
           <a:p>
             <a:fld id="{27971502-C805-4AB5-A8AE-BDD46597864A}" type="datetimeFigureOut">
               <a:rPr lang="zh-CN" altLang="en-US" smtClean="0"/>
-              <a:t>2017/6/10</a:t>
+              <a:t>2017/6/12</a:t>
             </a:fld>
             <a:endParaRPr lang="zh-CN" altLang="en-US"/>
           </a:p>
@@ -1405,7 +1408,7 @@
           <a:p>
             <a:fld id="{27971502-C805-4AB5-A8AE-BDD46597864A}" type="datetimeFigureOut">
               <a:rPr lang="zh-CN" altLang="en-US" smtClean="0"/>
-              <a:t>2017/6/10</a:t>
+              <a:t>2017/6/12</a:t>
             </a:fld>
             <a:endParaRPr lang="zh-CN" altLang="en-US"/>
           </a:p>
@@ -1746,7 +1749,7 @@
           <a:p>
             <a:fld id="{27971502-C805-4AB5-A8AE-BDD46597864A}" type="datetimeFigureOut">
               <a:rPr lang="zh-CN" altLang="en-US" smtClean="0"/>
-              <a:t>2017/6/10</a:t>
+              <a:t>2017/6/12</a:t>
             </a:fld>
             <a:endParaRPr lang="zh-CN" altLang="en-US"/>
           </a:p>
@@ -2060,7 +2063,7 @@
           <a:p>
             <a:fld id="{27971502-C805-4AB5-A8AE-BDD46597864A}" type="datetimeFigureOut">
               <a:rPr lang="zh-CN" altLang="en-US" smtClean="0"/>
-              <a:t>2017/6/10</a:t>
+              <a:t>2017/6/12</a:t>
             </a:fld>
             <a:endParaRPr lang="zh-CN" altLang="en-US"/>
           </a:p>
@@ -2453,7 +2456,7 @@
           <a:p>
             <a:fld id="{27971502-C805-4AB5-A8AE-BDD46597864A}" type="datetimeFigureOut">
               <a:rPr lang="zh-CN" altLang="en-US" smtClean="0"/>
-              <a:t>2017/6/10</a:t>
+              <a:t>2017/6/12</a:t>
             </a:fld>
             <a:endParaRPr lang="zh-CN" altLang="en-US"/>
           </a:p>
@@ -2623,7 +2626,7 @@
           <a:p>
             <a:fld id="{27971502-C805-4AB5-A8AE-BDD46597864A}" type="datetimeFigureOut">
               <a:rPr lang="zh-CN" altLang="en-US" smtClean="0"/>
-              <a:t>2017/6/10</a:t>
+              <a:t>2017/6/12</a:t>
             </a:fld>
             <a:endParaRPr lang="zh-CN" altLang="en-US"/>
           </a:p>
@@ -2803,7 +2806,7 @@
           <a:p>
             <a:fld id="{27971502-C805-4AB5-A8AE-BDD46597864A}" type="datetimeFigureOut">
               <a:rPr lang="zh-CN" altLang="en-US" smtClean="0"/>
-              <a:t>2017/6/10</a:t>
+              <a:t>2017/6/12</a:t>
             </a:fld>
             <a:endParaRPr lang="zh-CN" altLang="en-US"/>
           </a:p>
@@ -2979,7 +2982,7 @@
           <a:p>
             <a:fld id="{27971502-C805-4AB5-A8AE-BDD46597864A}" type="datetimeFigureOut">
               <a:rPr lang="zh-CN" altLang="en-US" smtClean="0"/>
-              <a:t>2017/6/10</a:t>
+              <a:t>2017/6/12</a:t>
             </a:fld>
             <a:endParaRPr lang="zh-CN" altLang="en-US"/>
           </a:p>
@@ -3226,7 +3229,7 @@
           <a:p>
             <a:fld id="{27971502-C805-4AB5-A8AE-BDD46597864A}" type="datetimeFigureOut">
               <a:rPr lang="zh-CN" altLang="en-US" smtClean="0"/>
-              <a:t>2017/6/10</a:t>
+              <a:t>2017/6/12</a:t>
             </a:fld>
             <a:endParaRPr lang="zh-CN" altLang="en-US"/>
           </a:p>
@@ -3458,7 +3461,7 @@
           <a:p>
             <a:fld id="{27971502-C805-4AB5-A8AE-BDD46597864A}" type="datetimeFigureOut">
               <a:rPr lang="zh-CN" altLang="en-US" smtClean="0"/>
-              <a:t>2017/6/10</a:t>
+              <a:t>2017/6/12</a:t>
             </a:fld>
             <a:endParaRPr lang="zh-CN" altLang="en-US"/>
           </a:p>
@@ -3832,7 +3835,7 @@
           <a:p>
             <a:fld id="{27971502-C805-4AB5-A8AE-BDD46597864A}" type="datetimeFigureOut">
               <a:rPr lang="zh-CN" altLang="en-US" smtClean="0"/>
-              <a:t>2017/6/10</a:t>
+              <a:t>2017/6/12</a:t>
             </a:fld>
             <a:endParaRPr lang="zh-CN" altLang="en-US"/>
           </a:p>
@@ -3955,7 +3958,7 @@
           <a:p>
             <a:fld id="{27971502-C805-4AB5-A8AE-BDD46597864A}" type="datetimeFigureOut">
               <a:rPr lang="zh-CN" altLang="en-US" smtClean="0"/>
-              <a:t>2017/6/10</a:t>
+              <a:t>2017/6/12</a:t>
             </a:fld>
             <a:endParaRPr lang="zh-CN" altLang="en-US"/>
           </a:p>
@@ -4050,7 +4053,7 @@
           <a:p>
             <a:fld id="{27971502-C805-4AB5-A8AE-BDD46597864A}" type="datetimeFigureOut">
               <a:rPr lang="zh-CN" altLang="en-US" smtClean="0"/>
-              <a:t>2017/6/10</a:t>
+              <a:t>2017/6/12</a:t>
             </a:fld>
             <a:endParaRPr lang="zh-CN" altLang="en-US"/>
           </a:p>
@@ -4305,7 +4308,7 @@
           <a:p>
             <a:fld id="{27971502-C805-4AB5-A8AE-BDD46597864A}" type="datetimeFigureOut">
               <a:rPr lang="zh-CN" altLang="en-US" smtClean="0"/>
-              <a:t>2017/6/10</a:t>
+              <a:t>2017/6/12</a:t>
             </a:fld>
             <a:endParaRPr lang="zh-CN" altLang="en-US"/>
           </a:p>
@@ -4568,7 +4571,7 @@
           <a:p>
             <a:fld id="{27971502-C805-4AB5-A8AE-BDD46597864A}" type="datetimeFigureOut">
               <a:rPr lang="zh-CN" altLang="en-US" smtClean="0"/>
-              <a:t>2017/6/10</a:t>
+              <a:t>2017/6/12</a:t>
             </a:fld>
             <a:endParaRPr lang="zh-CN" altLang="en-US"/>
           </a:p>
@@ -5311,7 +5314,7 @@
           <a:p>
             <a:fld id="{27971502-C805-4AB5-A8AE-BDD46597864A}" type="datetimeFigureOut">
               <a:rPr lang="zh-CN" altLang="en-US" smtClean="0"/>
-              <a:t>2017/6/10</a:t>
+              <a:t>2017/6/12</a:t>
             </a:fld>
             <a:endParaRPr lang="zh-CN" altLang="en-US"/>
           </a:p>
@@ -5983,6 +5986,86 @@
 </p:sld>
 </file>
 
+<file path=ppt/slides/slide10.xml><?xml version="1.0" encoding="utf-8"?>
+<p:sld xmlns:a="http://schemas.openxmlformats.org/drawingml/2006/main" xmlns:r="http://schemas.openxmlformats.org/officeDocument/2006/relationships" xmlns:p="http://schemas.openxmlformats.org/presentationml/2006/main">
+  <p:cSld>
+    <p:spTree>
+      <p:nvGrpSpPr>
+        <p:cNvPr id="1" name=""/>
+        <p:cNvGrpSpPr/>
+        <p:nvPr/>
+      </p:nvGrpSpPr>
+      <p:grpSpPr>
+        <a:xfrm>
+          <a:off x="0" y="0"/>
+          <a:ext cx="0" cy="0"/>
+          <a:chOff x="0" y="0"/>
+          <a:chExt cx="0" cy="0"/>
+        </a:xfrm>
+      </p:grpSpPr>
+      <p:sp>
+        <p:nvSpPr>
+          <p:cNvPr id="2" name="标题 1"/>
+          <p:cNvSpPr>
+            <a:spLocks noGrp="1"/>
+          </p:cNvSpPr>
+          <p:nvPr>
+            <p:ph type="ctrTitle"/>
+          </p:nvPr>
+        </p:nvSpPr>
+        <p:spPr>
+          <a:xfrm>
+            <a:off x="541361" y="2241480"/>
+            <a:ext cx="9448800" cy="1306938"/>
+          </a:xfrm>
+        </p:spPr>
+        <p:txBody>
+          <a:bodyPr>
+            <a:normAutofit/>
+          </a:bodyPr>
+          <a:lstStyle/>
+          <a:p>
+            <a:pPr algn="ctr"/>
+            <a:r>
+              <a:rPr lang="zh-CN" altLang="en-US" dirty="0" smtClean="0">
+                <a:solidFill>
+                  <a:schemeClr val="accent5"/>
+                </a:solidFill>
+                <a:latin typeface="华文楷体" panose="02010600040101010101" pitchFamily="2" charset="-122"/>
+                <a:ea typeface="华文楷体" panose="02010600040101010101" pitchFamily="2" charset="-122"/>
+              </a:rPr>
+              <a:t>谢谢！</a:t>
+            </a:r>
+            <a:endParaRPr lang="zh-CN" altLang="en-US" dirty="0">
+              <a:solidFill>
+                <a:schemeClr val="accent5"/>
+              </a:solidFill>
+              <a:latin typeface="华文楷体" panose="02010600040101010101" pitchFamily="2" charset="-122"/>
+              <a:ea typeface="华文楷体" panose="02010600040101010101" pitchFamily="2" charset="-122"/>
+            </a:endParaRPr>
+          </a:p>
+        </p:txBody>
+      </p:sp>
+    </p:spTree>
+    <p:extLst>
+      <p:ext uri="{BB962C8B-B14F-4D97-AF65-F5344CB8AC3E}">
+        <p14:creationId xmlns:p14="http://schemas.microsoft.com/office/powerpoint/2010/main" val="3016577520"/>
+      </p:ext>
+    </p:extLst>
+  </p:cSld>
+  <p:clrMapOvr>
+    <a:masterClrMapping/>
+  </p:clrMapOvr>
+  <p:timing>
+    <p:tnLst>
+      <p:par>
+        <p:cTn id="1" dur="indefinite" restart="never" nodeType="tmRoot"/>
+      </p:par>
+    </p:tnLst>
+  </p:timing>
+</p:sld>
+</file>
+
 <file path=ppt/slides/slide2.xml><?xml version="1.0" encoding="utf-8"?>
 <p:sld xmlns:a="http://schemas.openxmlformats.org/drawingml/2006/main" xmlns:r="http://schemas.openxmlformats.org/officeDocument/2006/relationships" xmlns:p="http://schemas.openxmlformats.org/presentationml/2006/main">
   <p:cSld>
@@ -6364,6 +6447,254 @@
           <a:chExt cx="0" cy="0"/>
         </a:xfrm>
       </p:grpSpPr>
+      <p:sp>
+        <p:nvSpPr>
+          <p:cNvPr id="2" name="标题 1"/>
+          <p:cNvSpPr>
+            <a:spLocks noGrp="1"/>
+          </p:cNvSpPr>
+          <p:nvPr>
+            <p:ph type="title"/>
+          </p:nvPr>
+        </p:nvSpPr>
+        <p:spPr>
+          <a:xfrm>
+            <a:off x="677334" y="609600"/>
+            <a:ext cx="2052218" cy="741528"/>
+          </a:xfrm>
+        </p:spPr>
+        <p:txBody>
+          <a:bodyPr/>
+          <a:lstStyle/>
+          <a:p>
+            <a:r>
+              <a:rPr lang="zh-CN" altLang="en-US" dirty="0" smtClean="0"/>
+              <a:t>采集终端</a:t>
+            </a:r>
+            <a:endParaRPr lang="zh-CN" altLang="en-US" dirty="0"/>
+          </a:p>
+        </p:txBody>
+      </p:sp>
+      <p:pic>
+        <p:nvPicPr>
+          <p:cNvPr id="4" name="图片 3"/>
+          <p:cNvPicPr>
+            <a:picLocks noChangeAspect="1"/>
+          </p:cNvPicPr>
+          <p:nvPr/>
+        </p:nvPicPr>
+        <p:blipFill>
+          <a:blip r:embed="rId2"/>
+          <a:stretch>
+            <a:fillRect/>
+          </a:stretch>
+        </p:blipFill>
+        <p:spPr>
+          <a:xfrm>
+            <a:off x="3634853" y="227861"/>
+            <a:ext cx="4212610" cy="6199410"/>
+          </a:xfrm>
+          <a:prstGeom prst="rect">
+            <a:avLst/>
+          </a:prstGeom>
+        </p:spPr>
+      </p:pic>
+    </p:spTree>
+    <p:extLst>
+      <p:ext uri="{BB962C8B-B14F-4D97-AF65-F5344CB8AC3E}">
+        <p14:creationId xmlns:p14="http://schemas.microsoft.com/office/powerpoint/2010/main" val="2411881511"/>
+      </p:ext>
+    </p:extLst>
+  </p:cSld>
+  <p:clrMapOvr>
+    <a:masterClrMapping/>
+  </p:clrMapOvr>
+</p:sld>
+</file>
+
+<file path=ppt/slides/slide7.xml><?xml version="1.0" encoding="utf-8"?>
+<p:sld xmlns:a="http://schemas.openxmlformats.org/drawingml/2006/main" xmlns:r="http://schemas.openxmlformats.org/officeDocument/2006/relationships" xmlns:p="http://schemas.openxmlformats.org/presentationml/2006/main">
+  <p:cSld>
+    <p:spTree>
+      <p:nvGrpSpPr>
+        <p:cNvPr id="1" name=""/>
+        <p:cNvGrpSpPr/>
+        <p:nvPr/>
+      </p:nvGrpSpPr>
+      <p:grpSpPr>
+        <a:xfrm>
+          <a:off x="0" y="0"/>
+          <a:ext cx="0" cy="0"/>
+          <a:chOff x="0" y="0"/>
+          <a:chExt cx="0" cy="0"/>
+        </a:xfrm>
+      </p:grpSpPr>
+      <p:sp>
+        <p:nvSpPr>
+          <p:cNvPr id="2" name="标题 1"/>
+          <p:cNvSpPr>
+            <a:spLocks noGrp="1"/>
+          </p:cNvSpPr>
+          <p:nvPr>
+            <p:ph type="title"/>
+          </p:nvPr>
+        </p:nvSpPr>
+        <p:spPr>
+          <a:xfrm>
+            <a:off x="677334" y="609600"/>
+            <a:ext cx="2011275" cy="673290"/>
+          </a:xfrm>
+        </p:spPr>
+        <p:txBody>
+          <a:bodyPr>
+            <a:normAutofit fontScale="90000"/>
+          </a:bodyPr>
+          <a:lstStyle/>
+          <a:p>
+            <a:r>
+              <a:rPr lang="zh-CN" altLang="en-US" dirty="0" smtClean="0"/>
+              <a:t>信令机制</a:t>
+            </a:r>
+            <a:endParaRPr lang="zh-CN" altLang="en-US" dirty="0"/>
+          </a:p>
+        </p:txBody>
+      </p:sp>
+      <p:pic>
+        <p:nvPicPr>
+          <p:cNvPr id="4" name="图片 3"/>
+          <p:cNvPicPr>
+            <a:picLocks noChangeAspect="1"/>
+          </p:cNvPicPr>
+          <p:nvPr/>
+        </p:nvPicPr>
+        <p:blipFill>
+          <a:blip r:embed="rId2"/>
+          <a:stretch>
+            <a:fillRect/>
+          </a:stretch>
+        </p:blipFill>
+        <p:spPr>
+          <a:xfrm>
+            <a:off x="3593909" y="69000"/>
+            <a:ext cx="4103428" cy="6583666"/>
+          </a:xfrm>
+          <a:prstGeom prst="rect">
+            <a:avLst/>
+          </a:prstGeom>
+        </p:spPr>
+      </p:pic>
+    </p:spTree>
+    <p:extLst>
+      <p:ext uri="{BB962C8B-B14F-4D97-AF65-F5344CB8AC3E}">
+        <p14:creationId xmlns:p14="http://schemas.microsoft.com/office/powerpoint/2010/main" val="4231172748"/>
+      </p:ext>
+    </p:extLst>
+  </p:cSld>
+  <p:clrMapOvr>
+    <a:masterClrMapping/>
+  </p:clrMapOvr>
+</p:sld>
+</file>
+
+<file path=ppt/slides/slide8.xml><?xml version="1.0" encoding="utf-8"?>
+<p:sld xmlns:a="http://schemas.openxmlformats.org/drawingml/2006/main" xmlns:r="http://schemas.openxmlformats.org/officeDocument/2006/relationships" xmlns:p="http://schemas.openxmlformats.org/presentationml/2006/main">
+  <p:cSld>
+    <p:spTree>
+      <p:nvGrpSpPr>
+        <p:cNvPr id="1" name=""/>
+        <p:cNvGrpSpPr/>
+        <p:nvPr/>
+      </p:nvGrpSpPr>
+      <p:grpSpPr>
+        <a:xfrm>
+          <a:off x="0" y="0"/>
+          <a:ext cx="0" cy="0"/>
+          <a:chOff x="0" y="0"/>
+          <a:chExt cx="0" cy="0"/>
+        </a:xfrm>
+      </p:grpSpPr>
+      <p:sp>
+        <p:nvSpPr>
+          <p:cNvPr id="2" name="标题 1"/>
+          <p:cNvSpPr>
+            <a:spLocks noGrp="1"/>
+          </p:cNvSpPr>
+          <p:nvPr>
+            <p:ph type="title"/>
+          </p:nvPr>
+        </p:nvSpPr>
+        <p:spPr>
+          <a:xfrm>
+            <a:off x="677334" y="609600"/>
+            <a:ext cx="1956684" cy="659642"/>
+          </a:xfrm>
+        </p:spPr>
+        <p:txBody>
+          <a:bodyPr/>
+          <a:lstStyle/>
+          <a:p>
+            <a:r>
+              <a:rPr lang="zh-CN" altLang="en-US" dirty="0" smtClean="0"/>
+              <a:t>查看端</a:t>
+            </a:r>
+            <a:endParaRPr lang="zh-CN" altLang="en-US" dirty="0"/>
+          </a:p>
+        </p:txBody>
+      </p:sp>
+      <p:pic>
+        <p:nvPicPr>
+          <p:cNvPr id="4" name="图片 3"/>
+          <p:cNvPicPr>
+            <a:picLocks noChangeAspect="1"/>
+          </p:cNvPicPr>
+          <p:nvPr/>
+        </p:nvPicPr>
+        <p:blipFill>
+          <a:blip r:embed="rId2"/>
+          <a:stretch>
+            <a:fillRect/>
+          </a:stretch>
+        </p:blipFill>
+        <p:spPr>
+          <a:xfrm>
+            <a:off x="2747750" y="33656"/>
+            <a:ext cx="5522794" cy="6697856"/>
+          </a:xfrm>
+          <a:prstGeom prst="rect">
+            <a:avLst/>
+          </a:prstGeom>
+        </p:spPr>
+      </p:pic>
+    </p:spTree>
+    <p:extLst>
+      <p:ext uri="{BB962C8B-B14F-4D97-AF65-F5344CB8AC3E}">
+        <p14:creationId xmlns:p14="http://schemas.microsoft.com/office/powerpoint/2010/main" val="1281506674"/>
+      </p:ext>
+    </p:extLst>
+  </p:cSld>
+  <p:clrMapOvr>
+    <a:masterClrMapping/>
+  </p:clrMapOvr>
+</p:sld>
+</file>
+
+<file path=ppt/slides/slide9.xml><?xml version="1.0" encoding="utf-8"?>
+<p:sld xmlns:a="http://schemas.openxmlformats.org/drawingml/2006/main" xmlns:r="http://schemas.openxmlformats.org/officeDocument/2006/relationships" xmlns:p="http://schemas.openxmlformats.org/presentationml/2006/main">
+  <p:cSld>
+    <p:spTree>
+      <p:nvGrpSpPr>
+        <p:cNvPr id="1" name=""/>
+        <p:cNvGrpSpPr/>
+        <p:nvPr/>
+      </p:nvGrpSpPr>
+      <p:grpSpPr>
+        <a:xfrm>
+          <a:off x="0" y="0"/>
+          <a:ext cx="0" cy="0"/>
+          <a:chOff x="0" y="0"/>
+          <a:chExt cx="0" cy="0"/>
+        </a:xfrm>
+      </p:grpSpPr>
       <p:pic>
         <p:nvPicPr>
           <p:cNvPr id="4" name="图片 3"/>
@@ -6422,86 +6753,6 @@
     <p:extLst>
       <p:ext uri="{BB962C8B-B14F-4D97-AF65-F5344CB8AC3E}">
         <p14:creationId xmlns:p14="http://schemas.microsoft.com/office/powerpoint/2010/main" val="2518922340"/>
-      </p:ext>
-    </p:extLst>
-  </p:cSld>
-  <p:clrMapOvr>
-    <a:masterClrMapping/>
-  </p:clrMapOvr>
-  <p:timing>
-    <p:tnLst>
-      <p:par>
-        <p:cTn id="1" dur="indefinite" restart="never" nodeType="tmRoot"/>
-      </p:par>
-    </p:tnLst>
-  </p:timing>
-</p:sld>
-</file>
-
-<file path=ppt/slides/slide7.xml><?xml version="1.0" encoding="utf-8"?>
-<p:sld xmlns:a="http://schemas.openxmlformats.org/drawingml/2006/main" xmlns:r="http://schemas.openxmlformats.org/officeDocument/2006/relationships" xmlns:p="http://schemas.openxmlformats.org/presentationml/2006/main">
-  <p:cSld>
-    <p:spTree>
-      <p:nvGrpSpPr>
-        <p:cNvPr id="1" name=""/>
-        <p:cNvGrpSpPr/>
-        <p:nvPr/>
-      </p:nvGrpSpPr>
-      <p:grpSpPr>
-        <a:xfrm>
-          <a:off x="0" y="0"/>
-          <a:ext cx="0" cy="0"/>
-          <a:chOff x="0" y="0"/>
-          <a:chExt cx="0" cy="0"/>
-        </a:xfrm>
-      </p:grpSpPr>
-      <p:sp>
-        <p:nvSpPr>
-          <p:cNvPr id="2" name="标题 1"/>
-          <p:cNvSpPr>
-            <a:spLocks noGrp="1"/>
-          </p:cNvSpPr>
-          <p:nvPr>
-            <p:ph type="ctrTitle"/>
-          </p:nvPr>
-        </p:nvSpPr>
-        <p:spPr>
-          <a:xfrm>
-            <a:off x="541361" y="2241480"/>
-            <a:ext cx="9448800" cy="1306938"/>
-          </a:xfrm>
-        </p:spPr>
-        <p:txBody>
-          <a:bodyPr>
-            <a:normAutofit/>
-          </a:bodyPr>
-          <a:lstStyle/>
-          <a:p>
-            <a:pPr algn="ctr"/>
-            <a:r>
-              <a:rPr lang="zh-CN" altLang="en-US" dirty="0" smtClean="0">
-                <a:solidFill>
-                  <a:schemeClr val="accent5"/>
-                </a:solidFill>
-                <a:latin typeface="华文楷体" panose="02010600040101010101" pitchFamily="2" charset="-122"/>
-                <a:ea typeface="华文楷体" panose="02010600040101010101" pitchFamily="2" charset="-122"/>
-              </a:rPr>
-              <a:t>谢谢！</a:t>
-            </a:r>
-            <a:endParaRPr lang="zh-CN" altLang="en-US" dirty="0">
-              <a:solidFill>
-                <a:schemeClr val="accent5"/>
-              </a:solidFill>
-              <a:latin typeface="华文楷体" panose="02010600040101010101" pitchFamily="2" charset="-122"/>
-              <a:ea typeface="华文楷体" panose="02010600040101010101" pitchFamily="2" charset="-122"/>
-            </a:endParaRPr>
-          </a:p>
-        </p:txBody>
-      </p:sp>
-    </p:spTree>
-    <p:extLst>
-      <p:ext uri="{BB962C8B-B14F-4D97-AF65-F5344CB8AC3E}">
-        <p14:creationId xmlns:p14="http://schemas.microsoft.com/office/powerpoint/2010/main" val="3016577520"/>
       </p:ext>
     </p:extLst>
   </p:cSld>

--- a/毕设答辩.pptx
+++ b/毕设答辩.pptx
@@ -6561,7 +6561,7 @@
       </p:sp>
       <p:pic>
         <p:nvPicPr>
-          <p:cNvPr id="4" name="图片 3"/>
+          <p:cNvPr id="6" name="图片 5"/>
           <p:cNvPicPr>
             <a:picLocks noChangeAspect="1"/>
           </p:cNvPicPr>
@@ -6575,8 +6575,8 @@
         </p:blipFill>
         <p:spPr>
           <a:xfrm>
-            <a:off x="3593909" y="69000"/>
-            <a:ext cx="4103428" cy="6583666"/>
+            <a:off x="3177991" y="555437"/>
+            <a:ext cx="4662312" cy="5654294"/>
           </a:xfrm>
           <a:prstGeom prst="rect">
             <a:avLst/>
@@ -6643,7 +6643,7 @@
       </p:sp>
       <p:pic>
         <p:nvPicPr>
-          <p:cNvPr id="4" name="图片 3"/>
+          <p:cNvPr id="3" name="图片 2"/>
           <p:cNvPicPr>
             <a:picLocks noChangeAspect="1"/>
           </p:cNvPicPr>
@@ -6657,8 +6657,8 @@
         </p:blipFill>
         <p:spPr>
           <a:xfrm>
-            <a:off x="2747750" y="33656"/>
-            <a:ext cx="5522794" cy="6697856"/>
+            <a:off x="2829637" y="133228"/>
+            <a:ext cx="4294494" cy="6345884"/>
           </a:xfrm>
           <a:prstGeom prst="rect">
             <a:avLst/>
